--- a/ppt 16-9/0811.我儿将你的心归.pptx
+++ b/ppt 16-9/0811.我儿将你的心归.pptx
@@ -5,7 +5,7 @@
     <p:sldMasterId id="2147483648" r:id="rId1"/>
   </p:sldMasterIdLst>
   <p:sldIdLst>
-    <p:sldId id="2085" r:id="rId2"/>
+    <p:sldId id="2086" r:id="rId2"/>
   </p:sldIdLst>
   <p:sldSz cx="12192000" cy="6858000"/>
   <p:notesSz cx="6858000" cy="9144000"/>
@@ -129,7 +129,7 @@
           <p:cNvPr id="2" name="标题 1">
             <a:extLst>
               <a:ext uri="{FF2B5EF4-FFF2-40B4-BE49-F238E27FC236}">
-                <a16:creationId xmlns:a16="http://schemas.microsoft.com/office/drawing/2014/main" id="{FFA6B3D1-7369-01FE-33FF-FC67BDDC1DFB}"/>
+                <a16:creationId xmlns:a16="http://schemas.microsoft.com/office/drawing/2014/main" id="{13CBDDB8-E5FD-BC3B-48C5-BDD429A4AA03}"/>
               </a:ext>
             </a:extLst>
           </p:cNvPr>
@@ -166,7 +166,7 @@
           <p:cNvPr id="3" name="副标题 2">
             <a:extLst>
               <a:ext uri="{FF2B5EF4-FFF2-40B4-BE49-F238E27FC236}">
-                <a16:creationId xmlns:a16="http://schemas.microsoft.com/office/drawing/2014/main" id="{175561C5-82CC-4790-307C-ACC0FD8F718A}"/>
+                <a16:creationId xmlns:a16="http://schemas.microsoft.com/office/drawing/2014/main" id="{25FFAD36-8042-A031-EAF6-2AF3D593B663}"/>
               </a:ext>
             </a:extLst>
           </p:cNvPr>
@@ -236,7 +236,7 @@
           <p:cNvPr id="4" name="日期占位符 3">
             <a:extLst>
               <a:ext uri="{FF2B5EF4-FFF2-40B4-BE49-F238E27FC236}">
-                <a16:creationId xmlns:a16="http://schemas.microsoft.com/office/drawing/2014/main" id="{89DA0F8D-C142-F8EB-C780-E7C650E62C90}"/>
+                <a16:creationId xmlns:a16="http://schemas.microsoft.com/office/drawing/2014/main" id="{6F176D76-6CF5-A888-D3E1-05511C424B9A}"/>
               </a:ext>
             </a:extLst>
           </p:cNvPr>
@@ -252,7 +252,7 @@
           <a:bodyPr/>
           <a:lstStyle/>
           <a:p>
-            <a:fld id="{EB5966A8-F4D7-4AA5-9D3B-045B159B033C}" type="datetimeFigureOut">
+            <a:fld id="{31F6810B-072C-4A9B-9964-DDFDCA1B53B2}" type="datetimeFigureOut">
               <a:rPr lang="zh-CN" altLang="en-US" smtClean="0"/>
               <a:t>2024/3/10</a:t>
             </a:fld>
@@ -265,7 +265,7 @@
           <p:cNvPr id="5" name="页脚占位符 4">
             <a:extLst>
               <a:ext uri="{FF2B5EF4-FFF2-40B4-BE49-F238E27FC236}">
-                <a16:creationId xmlns:a16="http://schemas.microsoft.com/office/drawing/2014/main" id="{2AEC18D1-A50B-2BEA-C655-1C3E9C42E201}"/>
+                <a16:creationId xmlns:a16="http://schemas.microsoft.com/office/drawing/2014/main" id="{5895AAF4-509C-5BDC-F1A6-CF4219369EBD}"/>
               </a:ext>
             </a:extLst>
           </p:cNvPr>
@@ -290,7 +290,7 @@
           <p:cNvPr id="6" name="灯片编号占位符 5">
             <a:extLst>
               <a:ext uri="{FF2B5EF4-FFF2-40B4-BE49-F238E27FC236}">
-                <a16:creationId xmlns:a16="http://schemas.microsoft.com/office/drawing/2014/main" id="{27D86D95-1A65-0BFD-AE0F-C920A6F6A923}"/>
+                <a16:creationId xmlns:a16="http://schemas.microsoft.com/office/drawing/2014/main" id="{4D97AC13-7742-4995-A574-0A577DBE839E}"/>
               </a:ext>
             </a:extLst>
           </p:cNvPr>
@@ -306,7 +306,7 @@
           <a:bodyPr/>
           <a:lstStyle/>
           <a:p>
-            <a:fld id="{7AEEEC1D-8BF3-45E8-A2B0-41E09A916B0A}" type="slidenum">
+            <a:fld id="{6846C786-E6F2-47AB-B187-23F17892499B}" type="slidenum">
               <a:rPr lang="zh-CN" altLang="en-US" smtClean="0"/>
               <a:t>‹#›</a:t>
             </a:fld>
@@ -317,7 +317,7 @@
     </p:spTree>
     <p:extLst>
       <p:ext uri="{BB962C8B-B14F-4D97-AF65-F5344CB8AC3E}">
-        <p14:creationId xmlns:p14="http://schemas.microsoft.com/office/powerpoint/2010/main" val="2133587635"/>
+        <p14:creationId xmlns:p14="http://schemas.microsoft.com/office/powerpoint/2010/main" val="758861829"/>
       </p:ext>
     </p:extLst>
   </p:cSld>
@@ -349,7 +349,7 @@
           <p:cNvPr id="2" name="标题 1">
             <a:extLst>
               <a:ext uri="{FF2B5EF4-FFF2-40B4-BE49-F238E27FC236}">
-                <a16:creationId xmlns:a16="http://schemas.microsoft.com/office/drawing/2014/main" id="{31EDCC01-F0FF-43BE-4653-8A0DD14DA883}"/>
+                <a16:creationId xmlns:a16="http://schemas.microsoft.com/office/drawing/2014/main" id="{8C1E3FC9-0893-3025-778C-085074324076}"/>
               </a:ext>
             </a:extLst>
           </p:cNvPr>
@@ -377,7 +377,7 @@
           <p:cNvPr id="3" name="竖排文字占位符 2">
             <a:extLst>
               <a:ext uri="{FF2B5EF4-FFF2-40B4-BE49-F238E27FC236}">
-                <a16:creationId xmlns:a16="http://schemas.microsoft.com/office/drawing/2014/main" id="{B4991E4D-7DD2-5E12-792C-7066E11C6754}"/>
+                <a16:creationId xmlns:a16="http://schemas.microsoft.com/office/drawing/2014/main" id="{189CAEB9-F85B-D53F-A255-8EE6140459B8}"/>
               </a:ext>
             </a:extLst>
           </p:cNvPr>
@@ -434,7 +434,7 @@
           <p:cNvPr id="4" name="日期占位符 3">
             <a:extLst>
               <a:ext uri="{FF2B5EF4-FFF2-40B4-BE49-F238E27FC236}">
-                <a16:creationId xmlns:a16="http://schemas.microsoft.com/office/drawing/2014/main" id="{6A18E461-8DF4-5DDA-C36B-F423BFFC57CB}"/>
+                <a16:creationId xmlns:a16="http://schemas.microsoft.com/office/drawing/2014/main" id="{322F74B0-B1F5-902C-9016-90A0692BC74C}"/>
               </a:ext>
             </a:extLst>
           </p:cNvPr>
@@ -450,7 +450,7 @@
           <a:bodyPr/>
           <a:lstStyle/>
           <a:p>
-            <a:fld id="{EB5966A8-F4D7-4AA5-9D3B-045B159B033C}" type="datetimeFigureOut">
+            <a:fld id="{31F6810B-072C-4A9B-9964-DDFDCA1B53B2}" type="datetimeFigureOut">
               <a:rPr lang="zh-CN" altLang="en-US" smtClean="0"/>
               <a:t>2024/3/10</a:t>
             </a:fld>
@@ -463,7 +463,7 @@
           <p:cNvPr id="5" name="页脚占位符 4">
             <a:extLst>
               <a:ext uri="{FF2B5EF4-FFF2-40B4-BE49-F238E27FC236}">
-                <a16:creationId xmlns:a16="http://schemas.microsoft.com/office/drawing/2014/main" id="{B68AC180-89BC-783B-3372-3478F5B2F9CC}"/>
+                <a16:creationId xmlns:a16="http://schemas.microsoft.com/office/drawing/2014/main" id="{97E4E063-5B3E-845A-CADD-F3311F6DEA84}"/>
               </a:ext>
             </a:extLst>
           </p:cNvPr>
@@ -488,7 +488,7 @@
           <p:cNvPr id="6" name="灯片编号占位符 5">
             <a:extLst>
               <a:ext uri="{FF2B5EF4-FFF2-40B4-BE49-F238E27FC236}">
-                <a16:creationId xmlns:a16="http://schemas.microsoft.com/office/drawing/2014/main" id="{8938A0A8-BF14-D1E7-F617-699FA160D326}"/>
+                <a16:creationId xmlns:a16="http://schemas.microsoft.com/office/drawing/2014/main" id="{F545435C-E769-B9B9-6A75-46E800F2D6FC}"/>
               </a:ext>
             </a:extLst>
           </p:cNvPr>
@@ -504,7 +504,7 @@
           <a:bodyPr/>
           <a:lstStyle/>
           <a:p>
-            <a:fld id="{7AEEEC1D-8BF3-45E8-A2B0-41E09A916B0A}" type="slidenum">
+            <a:fld id="{6846C786-E6F2-47AB-B187-23F17892499B}" type="slidenum">
               <a:rPr lang="zh-CN" altLang="en-US" smtClean="0"/>
               <a:t>‹#›</a:t>
             </a:fld>
@@ -515,7 +515,7 @@
     </p:spTree>
     <p:extLst>
       <p:ext uri="{BB962C8B-B14F-4D97-AF65-F5344CB8AC3E}">
-        <p14:creationId xmlns:p14="http://schemas.microsoft.com/office/powerpoint/2010/main" val="2355850203"/>
+        <p14:creationId xmlns:p14="http://schemas.microsoft.com/office/powerpoint/2010/main" val="1776066490"/>
       </p:ext>
     </p:extLst>
   </p:cSld>
@@ -547,7 +547,7 @@
           <p:cNvPr id="2" name="竖排标题 1">
             <a:extLst>
               <a:ext uri="{FF2B5EF4-FFF2-40B4-BE49-F238E27FC236}">
-                <a16:creationId xmlns:a16="http://schemas.microsoft.com/office/drawing/2014/main" id="{8C3A5826-9C20-0269-5462-8974E6755C2B}"/>
+                <a16:creationId xmlns:a16="http://schemas.microsoft.com/office/drawing/2014/main" id="{69AAC8DB-C61F-D6B8-364E-B282895C717E}"/>
               </a:ext>
             </a:extLst>
           </p:cNvPr>
@@ -580,7 +580,7 @@
           <p:cNvPr id="3" name="竖排文字占位符 2">
             <a:extLst>
               <a:ext uri="{FF2B5EF4-FFF2-40B4-BE49-F238E27FC236}">
-                <a16:creationId xmlns:a16="http://schemas.microsoft.com/office/drawing/2014/main" id="{715662C2-94AE-CB8A-2DA9-74E4B938034C}"/>
+                <a16:creationId xmlns:a16="http://schemas.microsoft.com/office/drawing/2014/main" id="{A9ACFA35-4B2C-377D-9A64-E70D04FBDFAC}"/>
               </a:ext>
             </a:extLst>
           </p:cNvPr>
@@ -642,7 +642,7 @@
           <p:cNvPr id="4" name="日期占位符 3">
             <a:extLst>
               <a:ext uri="{FF2B5EF4-FFF2-40B4-BE49-F238E27FC236}">
-                <a16:creationId xmlns:a16="http://schemas.microsoft.com/office/drawing/2014/main" id="{79CAF033-F98E-DC70-E2C4-73B03764DA29}"/>
+                <a16:creationId xmlns:a16="http://schemas.microsoft.com/office/drawing/2014/main" id="{F94DD285-0C4C-20A4-AA1B-2C18D5EB6CC5}"/>
               </a:ext>
             </a:extLst>
           </p:cNvPr>
@@ -658,7 +658,7 @@
           <a:bodyPr/>
           <a:lstStyle/>
           <a:p>
-            <a:fld id="{EB5966A8-F4D7-4AA5-9D3B-045B159B033C}" type="datetimeFigureOut">
+            <a:fld id="{31F6810B-072C-4A9B-9964-DDFDCA1B53B2}" type="datetimeFigureOut">
               <a:rPr lang="zh-CN" altLang="en-US" smtClean="0"/>
               <a:t>2024/3/10</a:t>
             </a:fld>
@@ -671,7 +671,7 @@
           <p:cNvPr id="5" name="页脚占位符 4">
             <a:extLst>
               <a:ext uri="{FF2B5EF4-FFF2-40B4-BE49-F238E27FC236}">
-                <a16:creationId xmlns:a16="http://schemas.microsoft.com/office/drawing/2014/main" id="{33D8723B-37CF-5716-F411-62C68985F372}"/>
+                <a16:creationId xmlns:a16="http://schemas.microsoft.com/office/drawing/2014/main" id="{25FB605F-C3FC-556D-FEE1-4505654E5E4E}"/>
               </a:ext>
             </a:extLst>
           </p:cNvPr>
@@ -696,7 +696,7 @@
           <p:cNvPr id="6" name="灯片编号占位符 5">
             <a:extLst>
               <a:ext uri="{FF2B5EF4-FFF2-40B4-BE49-F238E27FC236}">
-                <a16:creationId xmlns:a16="http://schemas.microsoft.com/office/drawing/2014/main" id="{185593E3-F939-E6DD-CFCB-DB6D4420EBDE}"/>
+                <a16:creationId xmlns:a16="http://schemas.microsoft.com/office/drawing/2014/main" id="{2FB0A654-615F-A152-3BD1-612CD91612A0}"/>
               </a:ext>
             </a:extLst>
           </p:cNvPr>
@@ -712,7 +712,7 @@
           <a:bodyPr/>
           <a:lstStyle/>
           <a:p>
-            <a:fld id="{7AEEEC1D-8BF3-45E8-A2B0-41E09A916B0A}" type="slidenum">
+            <a:fld id="{6846C786-E6F2-47AB-B187-23F17892499B}" type="slidenum">
               <a:rPr lang="zh-CN" altLang="en-US" smtClean="0"/>
               <a:t>‹#›</a:t>
             </a:fld>
@@ -723,7 +723,7 @@
     </p:spTree>
     <p:extLst>
       <p:ext uri="{BB962C8B-B14F-4D97-AF65-F5344CB8AC3E}">
-        <p14:creationId xmlns:p14="http://schemas.microsoft.com/office/powerpoint/2010/main" val="3569505502"/>
+        <p14:creationId xmlns:p14="http://schemas.microsoft.com/office/powerpoint/2010/main" val="1510049442"/>
       </p:ext>
     </p:extLst>
   </p:cSld>
@@ -755,7 +755,7 @@
           <p:cNvPr id="2" name="标题 1">
             <a:extLst>
               <a:ext uri="{FF2B5EF4-FFF2-40B4-BE49-F238E27FC236}">
-                <a16:creationId xmlns:a16="http://schemas.microsoft.com/office/drawing/2014/main" id="{732C39C7-03A2-C172-855C-22F90FDE0A8C}"/>
+                <a16:creationId xmlns:a16="http://schemas.microsoft.com/office/drawing/2014/main" id="{82D6DE01-CF4E-CBE1-9AA5-A2D3C9A4C7D1}"/>
               </a:ext>
             </a:extLst>
           </p:cNvPr>
@@ -783,7 +783,7 @@
           <p:cNvPr id="3" name="内容占位符 2">
             <a:extLst>
               <a:ext uri="{FF2B5EF4-FFF2-40B4-BE49-F238E27FC236}">
-                <a16:creationId xmlns:a16="http://schemas.microsoft.com/office/drawing/2014/main" id="{150392EA-934C-86CA-0499-1FD5B38FB824}"/>
+                <a16:creationId xmlns:a16="http://schemas.microsoft.com/office/drawing/2014/main" id="{DCCEB0DE-90B1-F1E4-3664-BB76FE86893F}"/>
               </a:ext>
             </a:extLst>
           </p:cNvPr>
@@ -840,7 +840,7 @@
           <p:cNvPr id="4" name="日期占位符 3">
             <a:extLst>
               <a:ext uri="{FF2B5EF4-FFF2-40B4-BE49-F238E27FC236}">
-                <a16:creationId xmlns:a16="http://schemas.microsoft.com/office/drawing/2014/main" id="{EC9521F2-4FEA-0CD2-E502-26A0276CB3F8}"/>
+                <a16:creationId xmlns:a16="http://schemas.microsoft.com/office/drawing/2014/main" id="{49A8FC51-01AF-3DFB-F2F5-FCC96D8CBA8B}"/>
               </a:ext>
             </a:extLst>
           </p:cNvPr>
@@ -856,7 +856,7 @@
           <a:bodyPr/>
           <a:lstStyle/>
           <a:p>
-            <a:fld id="{EB5966A8-F4D7-4AA5-9D3B-045B159B033C}" type="datetimeFigureOut">
+            <a:fld id="{31F6810B-072C-4A9B-9964-DDFDCA1B53B2}" type="datetimeFigureOut">
               <a:rPr lang="zh-CN" altLang="en-US" smtClean="0"/>
               <a:t>2024/3/10</a:t>
             </a:fld>
@@ -869,7 +869,7 @@
           <p:cNvPr id="5" name="页脚占位符 4">
             <a:extLst>
               <a:ext uri="{FF2B5EF4-FFF2-40B4-BE49-F238E27FC236}">
-                <a16:creationId xmlns:a16="http://schemas.microsoft.com/office/drawing/2014/main" id="{61A811D4-ADFA-82CC-0DB1-DA208DA3D4FF}"/>
+                <a16:creationId xmlns:a16="http://schemas.microsoft.com/office/drawing/2014/main" id="{A6C62C81-3A6F-CF2D-2D9C-CFB0C5A1EA16}"/>
               </a:ext>
             </a:extLst>
           </p:cNvPr>
@@ -894,7 +894,7 @@
           <p:cNvPr id="6" name="灯片编号占位符 5">
             <a:extLst>
               <a:ext uri="{FF2B5EF4-FFF2-40B4-BE49-F238E27FC236}">
-                <a16:creationId xmlns:a16="http://schemas.microsoft.com/office/drawing/2014/main" id="{C1E57603-E1DB-7147-CE17-A84D447DBFA8}"/>
+                <a16:creationId xmlns:a16="http://schemas.microsoft.com/office/drawing/2014/main" id="{B4B5B09E-955F-F7D8-DE8A-3B9D5F0DF40B}"/>
               </a:ext>
             </a:extLst>
           </p:cNvPr>
@@ -910,7 +910,7 @@
           <a:bodyPr/>
           <a:lstStyle/>
           <a:p>
-            <a:fld id="{7AEEEC1D-8BF3-45E8-A2B0-41E09A916B0A}" type="slidenum">
+            <a:fld id="{6846C786-E6F2-47AB-B187-23F17892499B}" type="slidenum">
               <a:rPr lang="zh-CN" altLang="en-US" smtClean="0"/>
               <a:t>‹#›</a:t>
             </a:fld>
@@ -921,7 +921,7 @@
     </p:spTree>
     <p:extLst>
       <p:ext uri="{BB962C8B-B14F-4D97-AF65-F5344CB8AC3E}">
-        <p14:creationId xmlns:p14="http://schemas.microsoft.com/office/powerpoint/2010/main" val="4229574800"/>
+        <p14:creationId xmlns:p14="http://schemas.microsoft.com/office/powerpoint/2010/main" val="2405963867"/>
       </p:ext>
     </p:extLst>
   </p:cSld>
@@ -953,7 +953,7 @@
           <p:cNvPr id="2" name="标题 1">
             <a:extLst>
               <a:ext uri="{FF2B5EF4-FFF2-40B4-BE49-F238E27FC236}">
-                <a16:creationId xmlns:a16="http://schemas.microsoft.com/office/drawing/2014/main" id="{A7A27E32-F419-5B2A-9799-98FC5B0DDEC4}"/>
+                <a16:creationId xmlns:a16="http://schemas.microsoft.com/office/drawing/2014/main" id="{C9C01F69-CD5F-1E43-C456-22BFF15D546E}"/>
               </a:ext>
             </a:extLst>
           </p:cNvPr>
@@ -990,7 +990,7 @@
           <p:cNvPr id="3" name="文本占位符 2">
             <a:extLst>
               <a:ext uri="{FF2B5EF4-FFF2-40B4-BE49-F238E27FC236}">
-                <a16:creationId xmlns:a16="http://schemas.microsoft.com/office/drawing/2014/main" id="{024441CA-10A9-7933-1E54-933C4424B6B0}"/>
+                <a16:creationId xmlns:a16="http://schemas.microsoft.com/office/drawing/2014/main" id="{498FBDA1-FC7D-9088-851F-7B5159D84704}"/>
               </a:ext>
             </a:extLst>
           </p:cNvPr>
@@ -1115,7 +1115,7 @@
           <p:cNvPr id="4" name="日期占位符 3">
             <a:extLst>
               <a:ext uri="{FF2B5EF4-FFF2-40B4-BE49-F238E27FC236}">
-                <a16:creationId xmlns:a16="http://schemas.microsoft.com/office/drawing/2014/main" id="{7E70ACB2-7767-6E3F-B415-D577C147ADAE}"/>
+                <a16:creationId xmlns:a16="http://schemas.microsoft.com/office/drawing/2014/main" id="{F02CDD69-03AD-6CD0-A2D0-2FAFB02E6E4B}"/>
               </a:ext>
             </a:extLst>
           </p:cNvPr>
@@ -1131,7 +1131,7 @@
           <a:bodyPr/>
           <a:lstStyle/>
           <a:p>
-            <a:fld id="{EB5966A8-F4D7-4AA5-9D3B-045B159B033C}" type="datetimeFigureOut">
+            <a:fld id="{31F6810B-072C-4A9B-9964-DDFDCA1B53B2}" type="datetimeFigureOut">
               <a:rPr lang="zh-CN" altLang="en-US" smtClean="0"/>
               <a:t>2024/3/10</a:t>
             </a:fld>
@@ -1144,7 +1144,7 @@
           <p:cNvPr id="5" name="页脚占位符 4">
             <a:extLst>
               <a:ext uri="{FF2B5EF4-FFF2-40B4-BE49-F238E27FC236}">
-                <a16:creationId xmlns:a16="http://schemas.microsoft.com/office/drawing/2014/main" id="{80AC0A10-EB34-A413-CC4B-097DF2CF2655}"/>
+                <a16:creationId xmlns:a16="http://schemas.microsoft.com/office/drawing/2014/main" id="{71134C7B-096D-7D64-B7FC-E079365F0C4A}"/>
               </a:ext>
             </a:extLst>
           </p:cNvPr>
@@ -1169,7 +1169,7 @@
           <p:cNvPr id="6" name="灯片编号占位符 5">
             <a:extLst>
               <a:ext uri="{FF2B5EF4-FFF2-40B4-BE49-F238E27FC236}">
-                <a16:creationId xmlns:a16="http://schemas.microsoft.com/office/drawing/2014/main" id="{01E39AC2-AD62-9BA2-C054-743B125E267D}"/>
+                <a16:creationId xmlns:a16="http://schemas.microsoft.com/office/drawing/2014/main" id="{4C558262-12D8-B30B-E21D-87362D3CDA5F}"/>
               </a:ext>
             </a:extLst>
           </p:cNvPr>
@@ -1185,7 +1185,7 @@
           <a:bodyPr/>
           <a:lstStyle/>
           <a:p>
-            <a:fld id="{7AEEEC1D-8BF3-45E8-A2B0-41E09A916B0A}" type="slidenum">
+            <a:fld id="{6846C786-E6F2-47AB-B187-23F17892499B}" type="slidenum">
               <a:rPr lang="zh-CN" altLang="en-US" smtClean="0"/>
               <a:t>‹#›</a:t>
             </a:fld>
@@ -1196,7 +1196,7 @@
     </p:spTree>
     <p:extLst>
       <p:ext uri="{BB962C8B-B14F-4D97-AF65-F5344CB8AC3E}">
-        <p14:creationId xmlns:p14="http://schemas.microsoft.com/office/powerpoint/2010/main" val="2298343874"/>
+        <p14:creationId xmlns:p14="http://schemas.microsoft.com/office/powerpoint/2010/main" val="101033822"/>
       </p:ext>
     </p:extLst>
   </p:cSld>
@@ -1228,7 +1228,7 @@
           <p:cNvPr id="2" name="标题 1">
             <a:extLst>
               <a:ext uri="{FF2B5EF4-FFF2-40B4-BE49-F238E27FC236}">
-                <a16:creationId xmlns:a16="http://schemas.microsoft.com/office/drawing/2014/main" id="{C79951F6-F61A-A62A-8716-146D1BDD71E9}"/>
+                <a16:creationId xmlns:a16="http://schemas.microsoft.com/office/drawing/2014/main" id="{3A5B71F5-DBC6-F1F5-B1FF-C1727E783CC6}"/>
               </a:ext>
             </a:extLst>
           </p:cNvPr>
@@ -1256,7 +1256,7 @@
           <p:cNvPr id="3" name="内容占位符 2">
             <a:extLst>
               <a:ext uri="{FF2B5EF4-FFF2-40B4-BE49-F238E27FC236}">
-                <a16:creationId xmlns:a16="http://schemas.microsoft.com/office/drawing/2014/main" id="{FEF2AEBA-DFD4-70F0-EFFB-5240A350701A}"/>
+                <a16:creationId xmlns:a16="http://schemas.microsoft.com/office/drawing/2014/main" id="{23C4E7D9-2483-9A63-FF31-EFAC7F00B3E5}"/>
               </a:ext>
             </a:extLst>
           </p:cNvPr>
@@ -1318,7 +1318,7 @@
           <p:cNvPr id="4" name="内容占位符 3">
             <a:extLst>
               <a:ext uri="{FF2B5EF4-FFF2-40B4-BE49-F238E27FC236}">
-                <a16:creationId xmlns:a16="http://schemas.microsoft.com/office/drawing/2014/main" id="{24CE83BD-6C5F-FD40-E728-07863C0C3D2E}"/>
+                <a16:creationId xmlns:a16="http://schemas.microsoft.com/office/drawing/2014/main" id="{12D0185F-DC99-6196-A75D-8A9E3447B179}"/>
               </a:ext>
             </a:extLst>
           </p:cNvPr>
@@ -1380,7 +1380,7 @@
           <p:cNvPr id="5" name="日期占位符 4">
             <a:extLst>
               <a:ext uri="{FF2B5EF4-FFF2-40B4-BE49-F238E27FC236}">
-                <a16:creationId xmlns:a16="http://schemas.microsoft.com/office/drawing/2014/main" id="{91696A3B-4AA1-C887-85DC-AA65F1ECF824}"/>
+                <a16:creationId xmlns:a16="http://schemas.microsoft.com/office/drawing/2014/main" id="{5B7B36AE-829F-21F2-3D6A-177D04C39AF1}"/>
               </a:ext>
             </a:extLst>
           </p:cNvPr>
@@ -1396,7 +1396,7 @@
           <a:bodyPr/>
           <a:lstStyle/>
           <a:p>
-            <a:fld id="{EB5966A8-F4D7-4AA5-9D3B-045B159B033C}" type="datetimeFigureOut">
+            <a:fld id="{31F6810B-072C-4A9B-9964-DDFDCA1B53B2}" type="datetimeFigureOut">
               <a:rPr lang="zh-CN" altLang="en-US" smtClean="0"/>
               <a:t>2024/3/10</a:t>
             </a:fld>
@@ -1409,7 +1409,7 @@
           <p:cNvPr id="6" name="页脚占位符 5">
             <a:extLst>
               <a:ext uri="{FF2B5EF4-FFF2-40B4-BE49-F238E27FC236}">
-                <a16:creationId xmlns:a16="http://schemas.microsoft.com/office/drawing/2014/main" id="{0281F740-D2E3-835E-4882-9BE321A9268A}"/>
+                <a16:creationId xmlns:a16="http://schemas.microsoft.com/office/drawing/2014/main" id="{9086485B-D641-35C2-7462-D94CEEE4D4B0}"/>
               </a:ext>
             </a:extLst>
           </p:cNvPr>
@@ -1434,7 +1434,7 @@
           <p:cNvPr id="7" name="灯片编号占位符 6">
             <a:extLst>
               <a:ext uri="{FF2B5EF4-FFF2-40B4-BE49-F238E27FC236}">
-                <a16:creationId xmlns:a16="http://schemas.microsoft.com/office/drawing/2014/main" id="{C3A20335-1298-69A9-D921-41E784D26106}"/>
+                <a16:creationId xmlns:a16="http://schemas.microsoft.com/office/drawing/2014/main" id="{A7F3A29C-FD25-9869-B25A-29182C09163E}"/>
               </a:ext>
             </a:extLst>
           </p:cNvPr>
@@ -1450,7 +1450,7 @@
           <a:bodyPr/>
           <a:lstStyle/>
           <a:p>
-            <a:fld id="{7AEEEC1D-8BF3-45E8-A2B0-41E09A916B0A}" type="slidenum">
+            <a:fld id="{6846C786-E6F2-47AB-B187-23F17892499B}" type="slidenum">
               <a:rPr lang="zh-CN" altLang="en-US" smtClean="0"/>
               <a:t>‹#›</a:t>
             </a:fld>
@@ -1461,7 +1461,7 @@
     </p:spTree>
     <p:extLst>
       <p:ext uri="{BB962C8B-B14F-4D97-AF65-F5344CB8AC3E}">
-        <p14:creationId xmlns:p14="http://schemas.microsoft.com/office/powerpoint/2010/main" val="910531328"/>
+        <p14:creationId xmlns:p14="http://schemas.microsoft.com/office/powerpoint/2010/main" val="4270225156"/>
       </p:ext>
     </p:extLst>
   </p:cSld>
@@ -1493,7 +1493,7 @@
           <p:cNvPr id="2" name="标题 1">
             <a:extLst>
               <a:ext uri="{FF2B5EF4-FFF2-40B4-BE49-F238E27FC236}">
-                <a16:creationId xmlns:a16="http://schemas.microsoft.com/office/drawing/2014/main" id="{DE42984B-8A5F-59D6-0331-C796C502C8B0}"/>
+                <a16:creationId xmlns:a16="http://schemas.microsoft.com/office/drawing/2014/main" id="{F49E1B36-C530-5BD9-9930-FBB6128E1DA1}"/>
               </a:ext>
             </a:extLst>
           </p:cNvPr>
@@ -1526,7 +1526,7 @@
           <p:cNvPr id="3" name="文本占位符 2">
             <a:extLst>
               <a:ext uri="{FF2B5EF4-FFF2-40B4-BE49-F238E27FC236}">
-                <a16:creationId xmlns:a16="http://schemas.microsoft.com/office/drawing/2014/main" id="{D4DFDF3F-CA7F-FD56-2A9C-40E14E5D1F32}"/>
+                <a16:creationId xmlns:a16="http://schemas.microsoft.com/office/drawing/2014/main" id="{C081D060-3180-C903-70C5-ED55CD0D5119}"/>
               </a:ext>
             </a:extLst>
           </p:cNvPr>
@@ -1597,7 +1597,7 @@
           <p:cNvPr id="4" name="内容占位符 3">
             <a:extLst>
               <a:ext uri="{FF2B5EF4-FFF2-40B4-BE49-F238E27FC236}">
-                <a16:creationId xmlns:a16="http://schemas.microsoft.com/office/drawing/2014/main" id="{0A757098-B5DE-287B-5532-4B0A4E070B5F}"/>
+                <a16:creationId xmlns:a16="http://schemas.microsoft.com/office/drawing/2014/main" id="{815A173A-7CF8-39C7-13AC-DB5721D9DE84}"/>
               </a:ext>
             </a:extLst>
           </p:cNvPr>
@@ -1659,7 +1659,7 @@
           <p:cNvPr id="5" name="文本占位符 4">
             <a:extLst>
               <a:ext uri="{FF2B5EF4-FFF2-40B4-BE49-F238E27FC236}">
-                <a16:creationId xmlns:a16="http://schemas.microsoft.com/office/drawing/2014/main" id="{BCE80954-F9B9-A899-FADD-5A8A33265936}"/>
+                <a16:creationId xmlns:a16="http://schemas.microsoft.com/office/drawing/2014/main" id="{570D9676-9F26-2B68-EB20-984648694896}"/>
               </a:ext>
             </a:extLst>
           </p:cNvPr>
@@ -1730,7 +1730,7 @@
           <p:cNvPr id="6" name="内容占位符 5">
             <a:extLst>
               <a:ext uri="{FF2B5EF4-FFF2-40B4-BE49-F238E27FC236}">
-                <a16:creationId xmlns:a16="http://schemas.microsoft.com/office/drawing/2014/main" id="{6D5ACC8B-367D-1AC8-1B04-460B47D72D0A}"/>
+                <a16:creationId xmlns:a16="http://schemas.microsoft.com/office/drawing/2014/main" id="{56F4B99A-C4F7-CB28-18D6-3B203AAA055C}"/>
               </a:ext>
             </a:extLst>
           </p:cNvPr>
@@ -1792,7 +1792,7 @@
           <p:cNvPr id="7" name="日期占位符 6">
             <a:extLst>
               <a:ext uri="{FF2B5EF4-FFF2-40B4-BE49-F238E27FC236}">
-                <a16:creationId xmlns:a16="http://schemas.microsoft.com/office/drawing/2014/main" id="{1ED9C49A-EB26-7D81-4A13-C374AD3C9676}"/>
+                <a16:creationId xmlns:a16="http://schemas.microsoft.com/office/drawing/2014/main" id="{040C71AC-8CDA-0933-0AE4-DE2607DB17D4}"/>
               </a:ext>
             </a:extLst>
           </p:cNvPr>
@@ -1808,7 +1808,7 @@
           <a:bodyPr/>
           <a:lstStyle/>
           <a:p>
-            <a:fld id="{EB5966A8-F4D7-4AA5-9D3B-045B159B033C}" type="datetimeFigureOut">
+            <a:fld id="{31F6810B-072C-4A9B-9964-DDFDCA1B53B2}" type="datetimeFigureOut">
               <a:rPr lang="zh-CN" altLang="en-US" smtClean="0"/>
               <a:t>2024/3/10</a:t>
             </a:fld>
@@ -1821,7 +1821,7 @@
           <p:cNvPr id="8" name="页脚占位符 7">
             <a:extLst>
               <a:ext uri="{FF2B5EF4-FFF2-40B4-BE49-F238E27FC236}">
-                <a16:creationId xmlns:a16="http://schemas.microsoft.com/office/drawing/2014/main" id="{F2AB4897-2EBE-B55E-5494-393544167DC4}"/>
+                <a16:creationId xmlns:a16="http://schemas.microsoft.com/office/drawing/2014/main" id="{CC4CD3BB-9D65-2B38-CEC3-F46AE76D87D3}"/>
               </a:ext>
             </a:extLst>
           </p:cNvPr>
@@ -1846,7 +1846,7 @@
           <p:cNvPr id="9" name="灯片编号占位符 8">
             <a:extLst>
               <a:ext uri="{FF2B5EF4-FFF2-40B4-BE49-F238E27FC236}">
-                <a16:creationId xmlns:a16="http://schemas.microsoft.com/office/drawing/2014/main" id="{BC80255E-E206-D220-69A4-362B78C343A8}"/>
+                <a16:creationId xmlns:a16="http://schemas.microsoft.com/office/drawing/2014/main" id="{71B033AC-63A2-9BE9-62E9-E8A4214CF7EC}"/>
               </a:ext>
             </a:extLst>
           </p:cNvPr>
@@ -1862,7 +1862,7 @@
           <a:bodyPr/>
           <a:lstStyle/>
           <a:p>
-            <a:fld id="{7AEEEC1D-8BF3-45E8-A2B0-41E09A916B0A}" type="slidenum">
+            <a:fld id="{6846C786-E6F2-47AB-B187-23F17892499B}" type="slidenum">
               <a:rPr lang="zh-CN" altLang="en-US" smtClean="0"/>
               <a:t>‹#›</a:t>
             </a:fld>
@@ -1873,7 +1873,7 @@
     </p:spTree>
     <p:extLst>
       <p:ext uri="{BB962C8B-B14F-4D97-AF65-F5344CB8AC3E}">
-        <p14:creationId xmlns:p14="http://schemas.microsoft.com/office/powerpoint/2010/main" val="455490128"/>
+        <p14:creationId xmlns:p14="http://schemas.microsoft.com/office/powerpoint/2010/main" val="895306382"/>
       </p:ext>
     </p:extLst>
   </p:cSld>
@@ -1905,7 +1905,7 @@
           <p:cNvPr id="2" name="标题 1">
             <a:extLst>
               <a:ext uri="{FF2B5EF4-FFF2-40B4-BE49-F238E27FC236}">
-                <a16:creationId xmlns:a16="http://schemas.microsoft.com/office/drawing/2014/main" id="{A171B8BA-91FA-A8E6-7238-A9CC08107530}"/>
+                <a16:creationId xmlns:a16="http://schemas.microsoft.com/office/drawing/2014/main" id="{601F00A0-9DE1-C9D1-8036-5BA9F1D75097}"/>
               </a:ext>
             </a:extLst>
           </p:cNvPr>
@@ -1933,7 +1933,7 @@
           <p:cNvPr id="3" name="日期占位符 2">
             <a:extLst>
               <a:ext uri="{FF2B5EF4-FFF2-40B4-BE49-F238E27FC236}">
-                <a16:creationId xmlns:a16="http://schemas.microsoft.com/office/drawing/2014/main" id="{427FA1AD-0A19-DACE-2A7F-792358DC65C4}"/>
+                <a16:creationId xmlns:a16="http://schemas.microsoft.com/office/drawing/2014/main" id="{BB3E1547-4BBE-1278-6DAD-5D0201769BEA}"/>
               </a:ext>
             </a:extLst>
           </p:cNvPr>
@@ -1949,7 +1949,7 @@
           <a:bodyPr/>
           <a:lstStyle/>
           <a:p>
-            <a:fld id="{EB5966A8-F4D7-4AA5-9D3B-045B159B033C}" type="datetimeFigureOut">
+            <a:fld id="{31F6810B-072C-4A9B-9964-DDFDCA1B53B2}" type="datetimeFigureOut">
               <a:rPr lang="zh-CN" altLang="en-US" smtClean="0"/>
               <a:t>2024/3/10</a:t>
             </a:fld>
@@ -1962,7 +1962,7 @@
           <p:cNvPr id="4" name="页脚占位符 3">
             <a:extLst>
               <a:ext uri="{FF2B5EF4-FFF2-40B4-BE49-F238E27FC236}">
-                <a16:creationId xmlns:a16="http://schemas.microsoft.com/office/drawing/2014/main" id="{77FA0FA7-6C76-E8AD-C7F1-1C09BF383FE0}"/>
+                <a16:creationId xmlns:a16="http://schemas.microsoft.com/office/drawing/2014/main" id="{2BDAF684-756D-9BD0-8053-C45B6AD61886}"/>
               </a:ext>
             </a:extLst>
           </p:cNvPr>
@@ -1987,7 +1987,7 @@
           <p:cNvPr id="5" name="灯片编号占位符 4">
             <a:extLst>
               <a:ext uri="{FF2B5EF4-FFF2-40B4-BE49-F238E27FC236}">
-                <a16:creationId xmlns:a16="http://schemas.microsoft.com/office/drawing/2014/main" id="{A4B537C9-A6B4-4F7E-EA30-D7D8074F4FF7}"/>
+                <a16:creationId xmlns:a16="http://schemas.microsoft.com/office/drawing/2014/main" id="{5F74D9EB-DBBE-0725-6F91-132B013FE146}"/>
               </a:ext>
             </a:extLst>
           </p:cNvPr>
@@ -2003,7 +2003,7 @@
           <a:bodyPr/>
           <a:lstStyle/>
           <a:p>
-            <a:fld id="{7AEEEC1D-8BF3-45E8-A2B0-41E09A916B0A}" type="slidenum">
+            <a:fld id="{6846C786-E6F2-47AB-B187-23F17892499B}" type="slidenum">
               <a:rPr lang="zh-CN" altLang="en-US" smtClean="0"/>
               <a:t>‹#›</a:t>
             </a:fld>
@@ -2014,7 +2014,7 @@
     </p:spTree>
     <p:extLst>
       <p:ext uri="{BB962C8B-B14F-4D97-AF65-F5344CB8AC3E}">
-        <p14:creationId xmlns:p14="http://schemas.microsoft.com/office/powerpoint/2010/main" val="3520111328"/>
+        <p14:creationId xmlns:p14="http://schemas.microsoft.com/office/powerpoint/2010/main" val="2647885302"/>
       </p:ext>
     </p:extLst>
   </p:cSld>
@@ -2046,7 +2046,7 @@
           <p:cNvPr id="2" name="日期占位符 1">
             <a:extLst>
               <a:ext uri="{FF2B5EF4-FFF2-40B4-BE49-F238E27FC236}">
-                <a16:creationId xmlns:a16="http://schemas.microsoft.com/office/drawing/2014/main" id="{31C472B4-C827-F364-5352-565E75BE1FE4}"/>
+                <a16:creationId xmlns:a16="http://schemas.microsoft.com/office/drawing/2014/main" id="{516EBA17-D250-BFCE-CE97-51E47EE0AF35}"/>
               </a:ext>
             </a:extLst>
           </p:cNvPr>
@@ -2062,7 +2062,7 @@
           <a:bodyPr/>
           <a:lstStyle/>
           <a:p>
-            <a:fld id="{EB5966A8-F4D7-4AA5-9D3B-045B159B033C}" type="datetimeFigureOut">
+            <a:fld id="{31F6810B-072C-4A9B-9964-DDFDCA1B53B2}" type="datetimeFigureOut">
               <a:rPr lang="zh-CN" altLang="en-US" smtClean="0"/>
               <a:t>2024/3/10</a:t>
             </a:fld>
@@ -2075,7 +2075,7 @@
           <p:cNvPr id="3" name="页脚占位符 2">
             <a:extLst>
               <a:ext uri="{FF2B5EF4-FFF2-40B4-BE49-F238E27FC236}">
-                <a16:creationId xmlns:a16="http://schemas.microsoft.com/office/drawing/2014/main" id="{94A2CB1A-F67C-6FE4-8F34-90BB7EFACDFC}"/>
+                <a16:creationId xmlns:a16="http://schemas.microsoft.com/office/drawing/2014/main" id="{74C5CCE7-E17D-3D54-04F6-F2CBE8EFBB3B}"/>
               </a:ext>
             </a:extLst>
           </p:cNvPr>
@@ -2100,7 +2100,7 @@
           <p:cNvPr id="4" name="灯片编号占位符 3">
             <a:extLst>
               <a:ext uri="{FF2B5EF4-FFF2-40B4-BE49-F238E27FC236}">
-                <a16:creationId xmlns:a16="http://schemas.microsoft.com/office/drawing/2014/main" id="{342C4D8A-5D40-EB2E-0688-64DFDFE7FDFB}"/>
+                <a16:creationId xmlns:a16="http://schemas.microsoft.com/office/drawing/2014/main" id="{FBB2E131-BF5F-73AB-A2B7-7E0E8B073CD9}"/>
               </a:ext>
             </a:extLst>
           </p:cNvPr>
@@ -2116,7 +2116,7 @@
           <a:bodyPr/>
           <a:lstStyle/>
           <a:p>
-            <a:fld id="{7AEEEC1D-8BF3-45E8-A2B0-41E09A916B0A}" type="slidenum">
+            <a:fld id="{6846C786-E6F2-47AB-B187-23F17892499B}" type="slidenum">
               <a:rPr lang="zh-CN" altLang="en-US" smtClean="0"/>
               <a:t>‹#›</a:t>
             </a:fld>
@@ -2127,7 +2127,7 @@
     </p:spTree>
     <p:extLst>
       <p:ext uri="{BB962C8B-B14F-4D97-AF65-F5344CB8AC3E}">
-        <p14:creationId xmlns:p14="http://schemas.microsoft.com/office/powerpoint/2010/main" val="2109899899"/>
+        <p14:creationId xmlns:p14="http://schemas.microsoft.com/office/powerpoint/2010/main" val="1147603505"/>
       </p:ext>
     </p:extLst>
   </p:cSld>
@@ -2159,7 +2159,7 @@
           <p:cNvPr id="2" name="标题 1">
             <a:extLst>
               <a:ext uri="{FF2B5EF4-FFF2-40B4-BE49-F238E27FC236}">
-                <a16:creationId xmlns:a16="http://schemas.microsoft.com/office/drawing/2014/main" id="{EB25C5C6-983B-5AD9-954C-846B839DE236}"/>
+                <a16:creationId xmlns:a16="http://schemas.microsoft.com/office/drawing/2014/main" id="{DD16410B-F541-8090-74FD-2DC2943B4BFE}"/>
               </a:ext>
             </a:extLst>
           </p:cNvPr>
@@ -2196,7 +2196,7 @@
           <p:cNvPr id="3" name="内容占位符 2">
             <a:extLst>
               <a:ext uri="{FF2B5EF4-FFF2-40B4-BE49-F238E27FC236}">
-                <a16:creationId xmlns:a16="http://schemas.microsoft.com/office/drawing/2014/main" id="{E0789953-E5FD-73B0-D356-62D0706E0093}"/>
+                <a16:creationId xmlns:a16="http://schemas.microsoft.com/office/drawing/2014/main" id="{4CF7C757-E598-AE22-43A6-2E261ADE618B}"/>
               </a:ext>
             </a:extLst>
           </p:cNvPr>
@@ -2286,7 +2286,7 @@
           <p:cNvPr id="4" name="文本占位符 3">
             <a:extLst>
               <a:ext uri="{FF2B5EF4-FFF2-40B4-BE49-F238E27FC236}">
-                <a16:creationId xmlns:a16="http://schemas.microsoft.com/office/drawing/2014/main" id="{D62E835B-374B-159C-64E8-60F05511696F}"/>
+                <a16:creationId xmlns:a16="http://schemas.microsoft.com/office/drawing/2014/main" id="{21120B78-DCA4-FBE2-F339-3129CC7D4AD5}"/>
               </a:ext>
             </a:extLst>
           </p:cNvPr>
@@ -2357,7 +2357,7 @@
           <p:cNvPr id="5" name="日期占位符 4">
             <a:extLst>
               <a:ext uri="{FF2B5EF4-FFF2-40B4-BE49-F238E27FC236}">
-                <a16:creationId xmlns:a16="http://schemas.microsoft.com/office/drawing/2014/main" id="{CF5C567C-7AA6-F7F5-EF1D-28C5EF8CF6CC}"/>
+                <a16:creationId xmlns:a16="http://schemas.microsoft.com/office/drawing/2014/main" id="{35F8206E-74AB-BEC9-49B2-D5BE9A4D8BE1}"/>
               </a:ext>
             </a:extLst>
           </p:cNvPr>
@@ -2373,7 +2373,7 @@
           <a:bodyPr/>
           <a:lstStyle/>
           <a:p>
-            <a:fld id="{EB5966A8-F4D7-4AA5-9D3B-045B159B033C}" type="datetimeFigureOut">
+            <a:fld id="{31F6810B-072C-4A9B-9964-DDFDCA1B53B2}" type="datetimeFigureOut">
               <a:rPr lang="zh-CN" altLang="en-US" smtClean="0"/>
               <a:t>2024/3/10</a:t>
             </a:fld>
@@ -2386,7 +2386,7 @@
           <p:cNvPr id="6" name="页脚占位符 5">
             <a:extLst>
               <a:ext uri="{FF2B5EF4-FFF2-40B4-BE49-F238E27FC236}">
-                <a16:creationId xmlns:a16="http://schemas.microsoft.com/office/drawing/2014/main" id="{07775245-A8BB-BE9C-F517-1A8B8A1724F6}"/>
+                <a16:creationId xmlns:a16="http://schemas.microsoft.com/office/drawing/2014/main" id="{FD70E733-B1A0-2808-210A-5DA1A0EB88AC}"/>
               </a:ext>
             </a:extLst>
           </p:cNvPr>
@@ -2411,7 +2411,7 @@
           <p:cNvPr id="7" name="灯片编号占位符 6">
             <a:extLst>
               <a:ext uri="{FF2B5EF4-FFF2-40B4-BE49-F238E27FC236}">
-                <a16:creationId xmlns:a16="http://schemas.microsoft.com/office/drawing/2014/main" id="{4352EF33-6D79-5B0B-CAB3-DFC7D0AACD05}"/>
+                <a16:creationId xmlns:a16="http://schemas.microsoft.com/office/drawing/2014/main" id="{5804665E-412B-775E-EA6E-AA11797E014D}"/>
               </a:ext>
             </a:extLst>
           </p:cNvPr>
@@ -2427,7 +2427,7 @@
           <a:bodyPr/>
           <a:lstStyle/>
           <a:p>
-            <a:fld id="{7AEEEC1D-8BF3-45E8-A2B0-41E09A916B0A}" type="slidenum">
+            <a:fld id="{6846C786-E6F2-47AB-B187-23F17892499B}" type="slidenum">
               <a:rPr lang="zh-CN" altLang="en-US" smtClean="0"/>
               <a:t>‹#›</a:t>
             </a:fld>
@@ -2438,7 +2438,7 @@
     </p:spTree>
     <p:extLst>
       <p:ext uri="{BB962C8B-B14F-4D97-AF65-F5344CB8AC3E}">
-        <p14:creationId xmlns:p14="http://schemas.microsoft.com/office/powerpoint/2010/main" val="1600428410"/>
+        <p14:creationId xmlns:p14="http://schemas.microsoft.com/office/powerpoint/2010/main" val="857841978"/>
       </p:ext>
     </p:extLst>
   </p:cSld>
@@ -2470,7 +2470,7 @@
           <p:cNvPr id="2" name="标题 1">
             <a:extLst>
               <a:ext uri="{FF2B5EF4-FFF2-40B4-BE49-F238E27FC236}">
-                <a16:creationId xmlns:a16="http://schemas.microsoft.com/office/drawing/2014/main" id="{C9869CA9-82B3-AEB8-1580-66A6DE23418C}"/>
+                <a16:creationId xmlns:a16="http://schemas.microsoft.com/office/drawing/2014/main" id="{6E00C917-AABC-8F54-F66E-7E6A4631394E}"/>
               </a:ext>
             </a:extLst>
           </p:cNvPr>
@@ -2507,7 +2507,7 @@
           <p:cNvPr id="3" name="图片占位符 2">
             <a:extLst>
               <a:ext uri="{FF2B5EF4-FFF2-40B4-BE49-F238E27FC236}">
-                <a16:creationId xmlns:a16="http://schemas.microsoft.com/office/drawing/2014/main" id="{97F507B7-784C-2176-EED4-B03C8829D701}"/>
+                <a16:creationId xmlns:a16="http://schemas.microsoft.com/office/drawing/2014/main" id="{466B3156-A317-F0AA-C53E-6BE33CA24D59}"/>
               </a:ext>
             </a:extLst>
           </p:cNvPr>
@@ -2574,7 +2574,7 @@
           <p:cNvPr id="4" name="文本占位符 3">
             <a:extLst>
               <a:ext uri="{FF2B5EF4-FFF2-40B4-BE49-F238E27FC236}">
-                <a16:creationId xmlns:a16="http://schemas.microsoft.com/office/drawing/2014/main" id="{600D1494-BDCA-33B9-F382-5C691A3BEA45}"/>
+                <a16:creationId xmlns:a16="http://schemas.microsoft.com/office/drawing/2014/main" id="{64BC86CC-247A-E563-EF82-FD628EA0787A}"/>
               </a:ext>
             </a:extLst>
           </p:cNvPr>
@@ -2645,7 +2645,7 @@
           <p:cNvPr id="5" name="日期占位符 4">
             <a:extLst>
               <a:ext uri="{FF2B5EF4-FFF2-40B4-BE49-F238E27FC236}">
-                <a16:creationId xmlns:a16="http://schemas.microsoft.com/office/drawing/2014/main" id="{A42743C7-AAB1-ABAC-31A3-4D8FBFE49EC3}"/>
+                <a16:creationId xmlns:a16="http://schemas.microsoft.com/office/drawing/2014/main" id="{D7573E09-FB1E-C28A-EEF7-E2F6D15FB131}"/>
               </a:ext>
             </a:extLst>
           </p:cNvPr>
@@ -2661,7 +2661,7 @@
           <a:bodyPr/>
           <a:lstStyle/>
           <a:p>
-            <a:fld id="{EB5966A8-F4D7-4AA5-9D3B-045B159B033C}" type="datetimeFigureOut">
+            <a:fld id="{31F6810B-072C-4A9B-9964-DDFDCA1B53B2}" type="datetimeFigureOut">
               <a:rPr lang="zh-CN" altLang="en-US" smtClean="0"/>
               <a:t>2024/3/10</a:t>
             </a:fld>
@@ -2674,7 +2674,7 @@
           <p:cNvPr id="6" name="页脚占位符 5">
             <a:extLst>
               <a:ext uri="{FF2B5EF4-FFF2-40B4-BE49-F238E27FC236}">
-                <a16:creationId xmlns:a16="http://schemas.microsoft.com/office/drawing/2014/main" id="{0972742A-F822-41D2-5719-C6B8F94469FD}"/>
+                <a16:creationId xmlns:a16="http://schemas.microsoft.com/office/drawing/2014/main" id="{649B0333-848F-5C76-EBF7-01422ACB5B56}"/>
               </a:ext>
             </a:extLst>
           </p:cNvPr>
@@ -2699,7 +2699,7 @@
           <p:cNvPr id="7" name="灯片编号占位符 6">
             <a:extLst>
               <a:ext uri="{FF2B5EF4-FFF2-40B4-BE49-F238E27FC236}">
-                <a16:creationId xmlns:a16="http://schemas.microsoft.com/office/drawing/2014/main" id="{4E4275BB-C7B1-E13F-AD8F-00584A371E54}"/>
+                <a16:creationId xmlns:a16="http://schemas.microsoft.com/office/drawing/2014/main" id="{8F1DD54B-9A69-B935-864D-C2916194B7B6}"/>
               </a:ext>
             </a:extLst>
           </p:cNvPr>
@@ -2715,7 +2715,7 @@
           <a:bodyPr/>
           <a:lstStyle/>
           <a:p>
-            <a:fld id="{7AEEEC1D-8BF3-45E8-A2B0-41E09A916B0A}" type="slidenum">
+            <a:fld id="{6846C786-E6F2-47AB-B187-23F17892499B}" type="slidenum">
               <a:rPr lang="zh-CN" altLang="en-US" smtClean="0"/>
               <a:t>‹#›</a:t>
             </a:fld>
@@ -2726,7 +2726,7 @@
     </p:spTree>
     <p:extLst>
       <p:ext uri="{BB962C8B-B14F-4D97-AF65-F5344CB8AC3E}">
-        <p14:creationId xmlns:p14="http://schemas.microsoft.com/office/powerpoint/2010/main" val="2138901657"/>
+        <p14:creationId xmlns:p14="http://schemas.microsoft.com/office/powerpoint/2010/main" val="114990338"/>
       </p:ext>
     </p:extLst>
   </p:cSld>
@@ -2763,7 +2763,7 @@
           <p:cNvPr id="2" name="标题占位符 1">
             <a:extLst>
               <a:ext uri="{FF2B5EF4-FFF2-40B4-BE49-F238E27FC236}">
-                <a16:creationId xmlns:a16="http://schemas.microsoft.com/office/drawing/2014/main" id="{7B905D80-2A4A-EBA3-535E-38BB3F196A67}"/>
+                <a16:creationId xmlns:a16="http://schemas.microsoft.com/office/drawing/2014/main" id="{93E0F307-9A34-8F2A-1488-B294E186A78F}"/>
               </a:ext>
             </a:extLst>
           </p:cNvPr>
@@ -2801,7 +2801,7 @@
           <p:cNvPr id="3" name="文本占位符 2">
             <a:extLst>
               <a:ext uri="{FF2B5EF4-FFF2-40B4-BE49-F238E27FC236}">
-                <a16:creationId xmlns:a16="http://schemas.microsoft.com/office/drawing/2014/main" id="{11BE67F1-B859-ED7F-B6DA-074BE5858E2E}"/>
+                <a16:creationId xmlns:a16="http://schemas.microsoft.com/office/drawing/2014/main" id="{18763F39-EE89-4C96-6E47-F307B6B338EA}"/>
               </a:ext>
             </a:extLst>
           </p:cNvPr>
@@ -2868,7 +2868,7 @@
           <p:cNvPr id="4" name="日期占位符 3">
             <a:extLst>
               <a:ext uri="{FF2B5EF4-FFF2-40B4-BE49-F238E27FC236}">
-                <a16:creationId xmlns:a16="http://schemas.microsoft.com/office/drawing/2014/main" id="{A89ED166-32AE-77CF-472F-CAB9BDE1B878}"/>
+                <a16:creationId xmlns:a16="http://schemas.microsoft.com/office/drawing/2014/main" id="{527A1F89-A20C-791B-FA44-1BE3A34B29E8}"/>
               </a:ext>
             </a:extLst>
           </p:cNvPr>
@@ -2902,7 +2902,7 @@
             </a:lvl1pPr>
           </a:lstStyle>
           <a:p>
-            <a:fld id="{EB5966A8-F4D7-4AA5-9D3B-045B159B033C}" type="datetimeFigureOut">
+            <a:fld id="{31F6810B-072C-4A9B-9964-DDFDCA1B53B2}" type="datetimeFigureOut">
               <a:rPr lang="zh-CN" altLang="en-US" smtClean="0"/>
               <a:t>2024/3/10</a:t>
             </a:fld>
@@ -2915,7 +2915,7 @@
           <p:cNvPr id="5" name="页脚占位符 4">
             <a:extLst>
               <a:ext uri="{FF2B5EF4-FFF2-40B4-BE49-F238E27FC236}">
-                <a16:creationId xmlns:a16="http://schemas.microsoft.com/office/drawing/2014/main" id="{6895089B-984E-30D6-DA8F-37C7FF2888E5}"/>
+                <a16:creationId xmlns:a16="http://schemas.microsoft.com/office/drawing/2014/main" id="{4B0E26AE-3E54-B919-B9C3-D7C7A7382E95}"/>
               </a:ext>
             </a:extLst>
           </p:cNvPr>
@@ -2958,7 +2958,7 @@
           <p:cNvPr id="6" name="灯片编号占位符 5">
             <a:extLst>
               <a:ext uri="{FF2B5EF4-FFF2-40B4-BE49-F238E27FC236}">
-                <a16:creationId xmlns:a16="http://schemas.microsoft.com/office/drawing/2014/main" id="{D7B35D6C-48F5-3FE9-97E0-7D499AF5CF3D}"/>
+                <a16:creationId xmlns:a16="http://schemas.microsoft.com/office/drawing/2014/main" id="{557E08B5-6A32-A79C-F912-FF2802D1032E}"/>
               </a:ext>
             </a:extLst>
           </p:cNvPr>
@@ -2992,7 +2992,7 @@
             </a:lvl1pPr>
           </a:lstStyle>
           <a:p>
-            <a:fld id="{7AEEEC1D-8BF3-45E8-A2B0-41E09A916B0A}" type="slidenum">
+            <a:fld id="{6846C786-E6F2-47AB-B187-23F17892499B}" type="slidenum">
               <a:rPr lang="zh-CN" altLang="en-US" smtClean="0"/>
               <a:t>‹#›</a:t>
             </a:fld>
@@ -3003,7 +3003,7 @@
     </p:spTree>
     <p:extLst>
       <p:ext uri="{BB962C8B-B14F-4D97-AF65-F5344CB8AC3E}">
-        <p14:creationId xmlns:p14="http://schemas.microsoft.com/office/powerpoint/2010/main" val="2639072839"/>
+        <p14:creationId xmlns:p14="http://schemas.microsoft.com/office/powerpoint/2010/main" val="3554706351"/>
       </p:ext>
     </p:extLst>
   </p:cSld>
@@ -3323,7 +3323,7 @@
       </p:grpSpPr>
       <p:pic>
         <p:nvPicPr>
-          <p:cNvPr id="830466" name="Picture 2" descr="810"/>
+          <p:cNvPr id="831490" name="Picture 2" descr="811"/>
           <p:cNvPicPr>
             <a:picLocks noChangeAspect="1" noChangeArrowheads="1"/>
           </p:cNvPicPr>
@@ -3344,8 +3344,8 @@
         </p:blipFill>
         <p:spPr bwMode="auto">
           <a:xfrm>
-            <a:off x="1524000" y="0"/>
-            <a:ext cx="9144000" cy="6858000"/>
+            <a:off x="1524000" y="1"/>
+            <a:ext cx="9144000" cy="5516563"/>
           </a:xfrm>
           <a:prstGeom prst="rect">
             <a:avLst/>
